--- a/Exercises & Assignments/Design-creative brief/pitch-sample.pptx
+++ b/Exercises & Assignments/Design-creative brief/pitch-sample.pptx
@@ -295,7 +295,7 @@
           <a:p>
             <a:fld id="{0363062A-1379-304F-9C4D-FD187C9E6D79}" type="datetimeFigureOut">
               <a:rPr lang="en-US" smtClean="0"/>
-              <a:t>2/17/14</a:t>
+              <a:t>1/28/15</a:t>
             </a:fld>
             <a:endParaRPr lang="en-US"/>
           </a:p>
@@ -465,7 +465,7 @@
           <a:p>
             <a:fld id="{0363062A-1379-304F-9C4D-FD187C9E6D79}" type="datetimeFigureOut">
               <a:rPr lang="en-US" smtClean="0"/>
-              <a:t>2/17/14</a:t>
+              <a:t>1/28/15</a:t>
             </a:fld>
             <a:endParaRPr lang="en-US"/>
           </a:p>
@@ -645,7 +645,7 @@
           <a:p>
             <a:fld id="{0363062A-1379-304F-9C4D-FD187C9E6D79}" type="datetimeFigureOut">
               <a:rPr lang="en-US" smtClean="0"/>
-              <a:t>2/17/14</a:t>
+              <a:t>1/28/15</a:t>
             </a:fld>
             <a:endParaRPr lang="en-US"/>
           </a:p>
@@ -815,7 +815,7 @@
           <a:p>
             <a:fld id="{0363062A-1379-304F-9C4D-FD187C9E6D79}" type="datetimeFigureOut">
               <a:rPr lang="en-US" smtClean="0"/>
-              <a:t>2/17/14</a:t>
+              <a:t>1/28/15</a:t>
             </a:fld>
             <a:endParaRPr lang="en-US"/>
           </a:p>
@@ -1061,7 +1061,7 @@
           <a:p>
             <a:fld id="{0363062A-1379-304F-9C4D-FD187C9E6D79}" type="datetimeFigureOut">
               <a:rPr lang="en-US" smtClean="0"/>
-              <a:t>2/17/14</a:t>
+              <a:t>1/28/15</a:t>
             </a:fld>
             <a:endParaRPr lang="en-US"/>
           </a:p>
@@ -1349,7 +1349,7 @@
           <a:p>
             <a:fld id="{0363062A-1379-304F-9C4D-FD187C9E6D79}" type="datetimeFigureOut">
               <a:rPr lang="en-US" smtClean="0"/>
-              <a:t>2/17/14</a:t>
+              <a:t>1/28/15</a:t>
             </a:fld>
             <a:endParaRPr lang="en-US"/>
           </a:p>
@@ -1771,7 +1771,7 @@
           <a:p>
             <a:fld id="{0363062A-1379-304F-9C4D-FD187C9E6D79}" type="datetimeFigureOut">
               <a:rPr lang="en-US" smtClean="0"/>
-              <a:t>2/17/14</a:t>
+              <a:t>1/28/15</a:t>
             </a:fld>
             <a:endParaRPr lang="en-US"/>
           </a:p>
@@ -1889,7 +1889,7 @@
           <a:p>
             <a:fld id="{0363062A-1379-304F-9C4D-FD187C9E6D79}" type="datetimeFigureOut">
               <a:rPr lang="en-US" smtClean="0"/>
-              <a:t>2/17/14</a:t>
+              <a:t>1/28/15</a:t>
             </a:fld>
             <a:endParaRPr lang="en-US"/>
           </a:p>
@@ -1984,7 +1984,7 @@
           <a:p>
             <a:fld id="{0363062A-1379-304F-9C4D-FD187C9E6D79}" type="datetimeFigureOut">
               <a:rPr lang="en-US" smtClean="0"/>
-              <a:t>2/17/14</a:t>
+              <a:t>1/28/15</a:t>
             </a:fld>
             <a:endParaRPr lang="en-US"/>
           </a:p>
@@ -2261,7 +2261,7 @@
           <a:p>
             <a:fld id="{0363062A-1379-304F-9C4D-FD187C9E6D79}" type="datetimeFigureOut">
               <a:rPr lang="en-US" smtClean="0"/>
-              <a:t>2/17/14</a:t>
+              <a:t>1/28/15</a:t>
             </a:fld>
             <a:endParaRPr lang="en-US"/>
           </a:p>
@@ -2514,7 +2514,7 @@
           <a:p>
             <a:fld id="{0363062A-1379-304F-9C4D-FD187C9E6D79}" type="datetimeFigureOut">
               <a:rPr lang="en-US" smtClean="0"/>
-              <a:t>2/17/14</a:t>
+              <a:t>1/28/15</a:t>
             </a:fld>
             <a:endParaRPr lang="en-US"/>
           </a:p>
@@ -2727,7 +2727,7 @@
           <a:p>
             <a:fld id="{0363062A-1379-304F-9C4D-FD187C9E6D79}" type="datetimeFigureOut">
               <a:rPr lang="en-US" smtClean="0"/>
-              <a:t>2/17/14</a:t>
+              <a:t>1/28/15</a:t>
             </a:fld>
             <a:endParaRPr lang="en-US"/>
           </a:p>
@@ -3119,7 +3119,7 @@
           <a:p>
             <a:r>
               <a:rPr lang="en-US" dirty="0" smtClean="0"/>
-              <a:t> [Landmark name ]</a:t>
+              <a:t> [Site Topic]</a:t>
             </a:r>
             <a:endParaRPr lang="en-US" dirty="0"/>
           </a:p>
@@ -3214,27 +3214,35 @@
           <a:p>
             <a:r>
               <a:rPr lang="en-US" dirty="0" smtClean="0"/>
-              <a:t>[History] – </a:t>
+              <a:t>[Relevance] </a:t>
+            </a:r>
+            <a:r>
+              <a:rPr lang="en-US" dirty="0" smtClean="0"/>
+              <a:t>– </a:t>
             </a:r>
             <a:r>
               <a:rPr lang="en-US" sz="2400" i="1" dirty="0" smtClean="0">
                 <a:latin typeface="Century"/>
                 <a:cs typeface="Century"/>
               </a:rPr>
-              <a:t>This place has been around since…</a:t>
+              <a:t>Why would people do this?</a:t>
             </a:r>
           </a:p>
           <a:p>
             <a:r>
               <a:rPr lang="en-US" dirty="0" smtClean="0"/>
-              <a:t>[Relevance] – </a:t>
+              <a:t>[</a:t>
+            </a:r>
+            <a:r>
+              <a:rPr lang="en-US" dirty="0" smtClean="0"/>
+              <a:t>Relevance] – </a:t>
             </a:r>
             <a:r>
               <a:rPr lang="en-US" sz="2400" i="1" dirty="0" smtClean="0">
                 <a:latin typeface="Century"/>
                 <a:cs typeface="Century"/>
               </a:rPr>
-              <a:t>This place is interesting because…</a:t>
+              <a:t>This tutorial is useful because…</a:t>
             </a:r>
             <a:endParaRPr lang="en-US" i="1" dirty="0" smtClean="0">
               <a:latin typeface="Century"/>
@@ -3327,7 +3335,7 @@
                 <a:latin typeface="Century"/>
                 <a:cs typeface="Century"/>
               </a:rPr>
-              <a:t>…better match the light-hearted tone of the landmark</a:t>
+              <a:t>…show people how to…</a:t>
             </a:r>
           </a:p>
           <a:p>
@@ -3416,19 +3424,16 @@
           <a:lstStyle/>
           <a:p>
             <a:r>
-              <a:rPr lang="en-US" sz="2800" i="1" dirty="0">
-                <a:latin typeface="Century"/>
-                <a:cs typeface="Century"/>
-              </a:rPr>
-              <a:t>P</a:t>
-            </a:r>
-            <a:r>
               <a:rPr lang="en-US" sz="2800" i="1" dirty="0" smtClean="0">
                 <a:latin typeface="Century"/>
                 <a:cs typeface="Century"/>
               </a:rPr>
-              <a:t>eople visit the site to learn…</a:t>
-            </a:r>
+              <a:t>This tutorial site will help people who…</a:t>
+            </a:r>
+            <a:endParaRPr lang="en-US" sz="2800" i="1" dirty="0" smtClean="0">
+              <a:latin typeface="Century"/>
+              <a:cs typeface="Century"/>
+            </a:endParaRPr>
           </a:p>
           <a:p>
             <a:r>
@@ -4946,7 +4951,7 @@
                 <a:latin typeface="Century"/>
                 <a:cs typeface="Century"/>
               </a:rPr>
-              <a:t>The site can include content like…</a:t>
+              <a:t>The site should include content like…</a:t>
             </a:r>
           </a:p>
           <a:p>
@@ -4955,7 +4960,7 @@
                 <a:latin typeface="Century"/>
                 <a:cs typeface="Century"/>
               </a:rPr>
-              <a:t>Hours</a:t>
+              <a:t>photos</a:t>
             </a:r>
           </a:p>
           <a:p>
